--- a/ppt/2DGP 최종 발표.pptx
+++ b/ppt/2DGP 최종 발표.pptx
@@ -107,6 +107,11 @@
       </a:defRPr>
     </a:lvl9pPr>
   </p:defaultTextStyle>
+  <p:extLst>
+    <p:ext uri="{EFAFB233-063F-42B5-8137-9DF3F51BA10A}">
+      <p15:sldGuideLst xmlns:p15="http://schemas.microsoft.com/office/powerpoint/2012/main"/>
+    </p:ext>
+  </p:extLst>
 </p:presentation>
 </file>
 
@@ -3738,13 +3743,13 @@
           <p:nvPr>
             <p:extLst>
               <p:ext uri="{D42A27DB-BD31-4B8C-83A1-F6EECF244321}">
-                <p14:modId xmlns:p14="http://schemas.microsoft.com/office/powerpoint/2010/main" val="1420630337"/>
+                <p14:modId xmlns:p14="http://schemas.microsoft.com/office/powerpoint/2010/main" val="2402033815"/>
               </p:ext>
             </p:extLst>
           </p:nvPr>
         </p:nvGraphicFramePr>
         <p:xfrm>
-          <a:off x="3236074" y="1406842"/>
+          <a:off x="4688970" y="1406842"/>
           <a:ext cx="5956300" cy="4907280"/>
         </p:xfrm>
         <a:graphic>
@@ -4796,8 +4801,12 @@
                     <a:p>
                       <a:pPr algn="ctr" latinLnBrk="1"/>
                       <a:r>
+                        <a:rPr lang="en-US" altLang="ko-KR"/>
+                        <a:t>1</a:t>
+                      </a:r>
+                      <a:r>
                         <a:rPr lang="en-US" altLang="ko-KR" dirty="0"/>
-                        <a:t>8</a:t>
+                        <a:t>0</a:t>
                       </a:r>
                       <a:endParaRPr lang="ko-KR" altLang="en-US" dirty="0"/>
                     </a:p>
@@ -4836,6 +4845,85 @@
           </a:graphicData>
         </a:graphic>
       </p:graphicFrame>
+      <p:grpSp>
+        <p:nvGrpSpPr>
+          <p:cNvPr id="4" name="그룹 3">
+            <a:extLst>
+              <a:ext uri="{FF2B5EF4-FFF2-40B4-BE49-F238E27FC236}">
+                <a16:creationId xmlns:a16="http://schemas.microsoft.com/office/drawing/2014/main" id="{C6DC6A9F-E592-41C8-8757-2D3B62EEA32F}"/>
+              </a:ext>
+            </a:extLst>
+          </p:cNvPr>
+          <p:cNvGrpSpPr/>
+          <p:nvPr/>
+        </p:nvGrpSpPr>
+        <p:grpSpPr>
+          <a:xfrm>
+            <a:off x="966705" y="2011680"/>
+            <a:ext cx="3248440" cy="2834640"/>
+            <a:chOff x="7590440" y="2094255"/>
+            <a:chExt cx="3248440" cy="2834640"/>
+          </a:xfrm>
+        </p:grpSpPr>
+        <p:pic>
+          <p:nvPicPr>
+            <p:cNvPr id="2" name="그림 1">
+              <a:extLst>
+                <a:ext uri="{FF2B5EF4-FFF2-40B4-BE49-F238E27FC236}">
+                  <a16:creationId xmlns:a16="http://schemas.microsoft.com/office/drawing/2014/main" id="{F7D83B53-5518-4157-B1C6-5C67909A6A4D}"/>
+                </a:ext>
+              </a:extLst>
+            </p:cNvPr>
+            <p:cNvPicPr>
+              <a:picLocks noChangeAspect="1"/>
+            </p:cNvPicPr>
+            <p:nvPr/>
+          </p:nvPicPr>
+          <p:blipFill rotWithShape="1">
+            <a:blip r:embed="rId3"/>
+            <a:srcRect l="63455" t="27960" r="28431" b="57737"/>
+            <a:stretch/>
+          </p:blipFill>
+          <p:spPr>
+            <a:xfrm>
+              <a:off x="7980217" y="2094255"/>
+              <a:ext cx="2858663" cy="2834640"/>
+            </a:xfrm>
+            <a:prstGeom prst="rect">
+              <a:avLst/>
+            </a:prstGeom>
+          </p:spPr>
+        </p:pic>
+        <p:pic>
+          <p:nvPicPr>
+            <p:cNvPr id="3" name="그림 2">
+              <a:extLst>
+                <a:ext uri="{FF2B5EF4-FFF2-40B4-BE49-F238E27FC236}">
+                  <a16:creationId xmlns:a16="http://schemas.microsoft.com/office/drawing/2014/main" id="{F75247B4-8303-4875-B6B5-22A6FB31B2BE}"/>
+                </a:ext>
+              </a:extLst>
+            </p:cNvPr>
+            <p:cNvPicPr>
+              <a:picLocks noChangeAspect="1"/>
+            </p:cNvPicPr>
+            <p:nvPr/>
+          </p:nvPicPr>
+          <p:blipFill rotWithShape="1">
+            <a:blip r:embed="rId3"/>
+            <a:srcRect l="34546" t="28445" r="64568" b="58464"/>
+            <a:stretch/>
+          </p:blipFill>
+          <p:spPr>
+            <a:xfrm>
+              <a:off x="7590440" y="2173501"/>
+              <a:ext cx="316581" cy="2630069"/>
+            </a:xfrm>
+            <a:prstGeom prst="rect">
+              <a:avLst/>
+            </a:prstGeom>
+          </p:spPr>
+        </p:pic>
+      </p:grpSp>
     </p:spTree>
     <p:extLst>
       <p:ext uri="{BB962C8B-B14F-4D97-AF65-F5344CB8AC3E}">

--- a/ppt/2DGP 최종 발표.pptx
+++ b/ppt/2DGP 최종 발표.pptx
@@ -1462,7 +1462,7 @@
           <p:nvPr>
             <p:extLst>
               <p:ext uri="{D42A27DB-BD31-4B8C-83A1-F6EECF244321}">
-                <p14:modId xmlns:p14="http://schemas.microsoft.com/office/powerpoint/2010/main" val="1848260301"/>
+                <p14:modId xmlns:p14="http://schemas.microsoft.com/office/powerpoint/2010/main" val="3124079544"/>
               </p:ext>
             </p:extLst>
           </p:nvPr>
@@ -2357,7 +2357,7 @@
                           </a:solidFill>
                           <a:effectLst/>
                         </a:rPr>
-                        <a:t>두 부분 배치 완료</a:t>
+                        <a:t>두 부분 배치</a:t>
                       </a:r>
                     </a:p>
                   </a:txBody>
@@ -2531,7 +2531,7 @@
                           </a:solidFill>
                           <a:effectLst/>
                         </a:rPr>
-                        <a:t>2</a:t>
+                        <a:t>(2</a:t>
                       </a:r>
                       <a:r>
                         <a:rPr lang="ko-KR" altLang="en-US" sz="2000" b="0" dirty="0">
@@ -2542,6 +2542,21 @@
                         </a:rPr>
                         <a:t>종</a:t>
                       </a:r>
+                      <a:r>
+                        <a:rPr lang="en-US" altLang="ko-KR" sz="2000" b="0" dirty="0">
+                          <a:solidFill>
+                            <a:schemeClr val="tx1"/>
+                          </a:solidFill>
+                          <a:effectLst/>
+                        </a:rPr>
+                        <a:t>)</a:t>
+                      </a:r>
+                      <a:endParaRPr lang="ko-KR" altLang="en-US" sz="2000" b="0" dirty="0">
+                        <a:solidFill>
+                          <a:schemeClr val="tx1"/>
+                        </a:solidFill>
+                        <a:effectLst/>
+                      </a:endParaRPr>
                     </a:p>
                   </a:txBody>
                   <a:tcPr anchor="ctr">
@@ -2912,7 +2927,7 @@
                         <a:defRPr/>
                       </a:pPr>
                       <a:r>
-                        <a:rPr lang="ko-KR" altLang="en-US" sz="2000" b="0">
+                        <a:rPr lang="ko-KR" altLang="en-US" sz="2000" b="0" dirty="0">
                           <a:solidFill>
                             <a:schemeClr val="tx1"/>
                           </a:solidFill>
@@ -2920,12 +2935,6 @@
                         </a:rPr>
                         <a:t>음악 삽입 완료</a:t>
                       </a:r>
-                      <a:endParaRPr lang="ko-KR" altLang="en-US" sz="2000" b="0" dirty="0">
-                        <a:solidFill>
-                          <a:schemeClr val="tx1"/>
-                        </a:solidFill>
-                        <a:effectLst/>
-                      </a:endParaRPr>
                     </a:p>
                   </a:txBody>
                   <a:tcPr anchor="ctr">
@@ -3162,6 +3171,40 @@
                           <a:effectLst/>
                         </a:rPr>
                         <a:t>충돌 시 게임 오버</a:t>
+                      </a:r>
+                      <a:endParaRPr lang="en-US" altLang="ko-KR" sz="2000" b="0" dirty="0">
+                        <a:solidFill>
+                          <a:schemeClr val="tx1"/>
+                        </a:solidFill>
+                        <a:effectLst/>
+                      </a:endParaRPr>
+                    </a:p>
+                    <a:p>
+                      <a:pPr marL="0" marR="0" lvl="0" indent="0" algn="ctr" defTabSz="914400" rtl="0" eaLnBrk="1" fontAlgn="auto" latinLnBrk="1" hangingPunct="1">
+                        <a:lnSpc>
+                          <a:spcPct val="100000"/>
+                        </a:lnSpc>
+                        <a:spcBef>
+                          <a:spcPts val="0"/>
+                        </a:spcBef>
+                        <a:spcAft>
+                          <a:spcPts val="0"/>
+                        </a:spcAft>
+                        <a:buClrTx/>
+                        <a:buSzTx/>
+                        <a:buFontTx/>
+                        <a:buNone/>
+                        <a:tabLst/>
+                        <a:defRPr/>
+                      </a:pPr>
+                      <a:r>
+                        <a:rPr lang="ko-KR" altLang="en-US" sz="2000" b="0" dirty="0">
+                          <a:solidFill>
+                            <a:schemeClr val="tx1"/>
+                          </a:solidFill>
+                          <a:effectLst/>
+                        </a:rPr>
+                        <a:t>장애물 증가 구현</a:t>
                       </a:r>
                       <a:endParaRPr lang="en-US" altLang="ko-KR" sz="2000" b="0" dirty="0">
                         <a:solidFill>
@@ -3438,7 +3481,7 @@
                           </a:solidFill>
                           <a:effectLst/>
                         </a:rPr>
-                        <a:t>충돌 구현 완료</a:t>
+                        <a:t>충돌 구현</a:t>
                       </a:r>
                       <a:endParaRPr lang="en-US" altLang="ko-KR" sz="2000" b="0" dirty="0">
                         <a:solidFill>
@@ -3456,7 +3499,7 @@
                           </a:solidFill>
                           <a:effectLst/>
                         </a:rPr>
-                        <a:t>점프 구현 완료</a:t>
+                        <a:t>점프 구현</a:t>
                       </a:r>
                     </a:p>
                   </a:txBody>
@@ -3743,14 +3786,14 @@
           <p:nvPr>
             <p:extLst>
               <p:ext uri="{D42A27DB-BD31-4B8C-83A1-F6EECF244321}">
-                <p14:modId xmlns:p14="http://schemas.microsoft.com/office/powerpoint/2010/main" val="2402033815"/>
+                <p14:modId xmlns:p14="http://schemas.microsoft.com/office/powerpoint/2010/main" val="2810438428"/>
               </p:ext>
             </p:extLst>
           </p:nvPr>
         </p:nvGraphicFramePr>
         <p:xfrm>
-          <a:off x="4688970" y="1406842"/>
-          <a:ext cx="5956300" cy="4907280"/>
+          <a:off x="4879218" y="1635442"/>
+          <a:ext cx="5956300" cy="4498340"/>
         </p:xfrm>
         <a:graphic>
           <a:graphicData uri="http://schemas.openxmlformats.org/drawingml/2006/table">
@@ -3882,6 +3925,11 @@
                         <a:rPr lang="ko-KR" altLang="en-US" dirty="0"/>
                         <a:t>주차</a:t>
                       </a:r>
+                      <a:r>
+                        <a:rPr lang="en-US" altLang="ko-KR" dirty="0"/>
+                        <a:t>(9/29~)</a:t>
+                      </a:r>
+                      <a:endParaRPr lang="ko-KR" altLang="en-US" dirty="0"/>
                     </a:p>
                   </a:txBody>
                   <a:tcPr anchor="ctr">
@@ -4676,7 +4724,15 @@
                       </a:r>
                       <a:r>
                         <a:rPr lang="ko-KR" altLang="en-US" dirty="0"/>
-                        <a:t>주차</a:t>
+                        <a:t>주차 </a:t>
+                      </a:r>
+                      <a:r>
+                        <a:rPr lang="en-US" altLang="ko-KR" dirty="0"/>
+                        <a:t>+ </a:t>
+                      </a:r>
+                      <a:r>
+                        <a:rPr lang="ko-KR" altLang="en-US" dirty="0"/>
+                        <a:t>현재까지</a:t>
                       </a:r>
                     </a:p>
                   </a:txBody>
@@ -4717,7 +4773,7 @@
                       <a:pPr algn="ctr" latinLnBrk="1"/>
                       <a:r>
                         <a:rPr lang="en-US" altLang="ko-KR" dirty="0"/>
-                        <a:t>20</a:t>
+                        <a:t>20 + 10</a:t>
                       </a:r>
                       <a:endParaRPr lang="ko-KR" altLang="en-US" dirty="0"/>
                     </a:p>
@@ -4754,90 +4810,6 @@
                 <a:extLst>
                   <a:ext uri="{0D108BD9-81ED-4DB2-BD59-A6C34878D82A}">
                     <a16:rowId xmlns:a16="http://schemas.microsoft.com/office/drawing/2014/main" val="267628292"/>
-                  </a:ext>
-                </a:extLst>
-              </a:tr>
-              <a:tr h="408940">
-                <a:tc>
-                  <a:txBody>
-                    <a:bodyPr/>
-                    <a:lstStyle/>
-                    <a:p>
-                      <a:pPr algn="ctr" latinLnBrk="1"/>
-                      <a:r>
-                        <a:rPr lang="ko-KR" altLang="en-US" dirty="0"/>
-                        <a:t>현재 주차</a:t>
-                      </a:r>
-                    </a:p>
-                  </a:txBody>
-                  <a:tcPr anchor="ctr">
-                    <a:lnL>
-                      <a:noFill/>
-                    </a:lnL>
-                    <a:lnR>
-                      <a:noFill/>
-                    </a:lnR>
-                    <a:lnT>
-                      <a:noFill/>
-                    </a:lnT>
-                    <a:lnB w="12700" cmpd="sng">
-                      <a:noFill/>
-                    </a:lnB>
-                    <a:lnTlToBr w="12700" cmpd="sng">
-                      <a:noFill/>
-                      <a:prstDash val="solid"/>
-                    </a:lnTlToBr>
-                    <a:lnBlToTr w="12700" cmpd="sng">
-                      <a:noFill/>
-                      <a:prstDash val="solid"/>
-                    </a:lnBlToTr>
-                    <a:noFill/>
-                  </a:tcPr>
-                </a:tc>
-                <a:tc>
-                  <a:txBody>
-                    <a:bodyPr/>
-                    <a:lstStyle/>
-                    <a:p>
-                      <a:pPr algn="ctr" latinLnBrk="1"/>
-                      <a:r>
-                        <a:rPr lang="en-US" altLang="ko-KR"/>
-                        <a:t>1</a:t>
-                      </a:r>
-                      <a:r>
-                        <a:rPr lang="en-US" altLang="ko-KR" dirty="0"/>
-                        <a:t>0</a:t>
-                      </a:r>
-                      <a:endParaRPr lang="ko-KR" altLang="en-US" dirty="0"/>
-                    </a:p>
-                  </a:txBody>
-                  <a:tcPr anchor="ctr">
-                    <a:lnL>
-                      <a:noFill/>
-                    </a:lnL>
-                    <a:lnR>
-                      <a:noFill/>
-                    </a:lnR>
-                    <a:lnT>
-                      <a:noFill/>
-                    </a:lnT>
-                    <a:lnB w="12700" cmpd="sng">
-                      <a:noFill/>
-                    </a:lnB>
-                    <a:lnTlToBr w="12700" cmpd="sng">
-                      <a:noFill/>
-                      <a:prstDash val="solid"/>
-                    </a:lnTlToBr>
-                    <a:lnBlToTr w="12700" cmpd="sng">
-                      <a:noFill/>
-                      <a:prstDash val="solid"/>
-                    </a:lnBlToTr>
-                    <a:noFill/>
-                  </a:tcPr>
-                </a:tc>
-                <a:extLst>
-                  <a:ext uri="{0D108BD9-81ED-4DB2-BD59-A6C34878D82A}">
-                    <a16:rowId xmlns:a16="http://schemas.microsoft.com/office/drawing/2014/main" val="2930515321"/>
                   </a:ext>
                 </a:extLst>
               </a:tr>
@@ -4859,7 +4831,7 @@
         </p:nvGrpSpPr>
         <p:grpSpPr>
           <a:xfrm>
-            <a:off x="966705" y="2011680"/>
+            <a:off x="1356482" y="2011680"/>
             <a:ext cx="3248440" cy="2834640"/>
             <a:chOff x="7590440" y="2094255"/>
             <a:chExt cx="3248440" cy="2834640"/>

--- a/ppt/2DGP 최종 발표.pptx
+++ b/ppt/2DGP 최종 발표.pptx
@@ -3786,7 +3786,7 @@
           <p:nvPr>
             <p:extLst>
               <p:ext uri="{D42A27DB-BD31-4B8C-83A1-F6EECF244321}">
-                <p14:modId xmlns:p14="http://schemas.microsoft.com/office/powerpoint/2010/main" val="2810438428"/>
+                <p14:modId xmlns:p14="http://schemas.microsoft.com/office/powerpoint/2010/main" val="3422764132"/>
               </p:ext>
             </p:extLst>
           </p:nvPr>
@@ -4773,7 +4773,7 @@
                       <a:pPr algn="ctr" latinLnBrk="1"/>
                       <a:r>
                         <a:rPr lang="en-US" altLang="ko-KR" dirty="0"/>
-                        <a:t>20 + 10</a:t>
+                        <a:t>20 + 13</a:t>
                       </a:r>
                       <a:endParaRPr lang="ko-KR" altLang="en-US" dirty="0"/>
                     </a:p>
@@ -4819,10 +4819,10 @@
       </p:graphicFrame>
       <p:grpSp>
         <p:nvGrpSpPr>
-          <p:cNvPr id="4" name="그룹 3">
+          <p:cNvPr id="7" name="그룹 6">
             <a:extLst>
               <a:ext uri="{FF2B5EF4-FFF2-40B4-BE49-F238E27FC236}">
-                <a16:creationId xmlns:a16="http://schemas.microsoft.com/office/drawing/2014/main" id="{C6DC6A9F-E592-41C8-8757-2D3B62EEA32F}"/>
+                <a16:creationId xmlns:a16="http://schemas.microsoft.com/office/drawing/2014/main" id="{7101668B-E2DE-4AF8-A47A-2549EEF445AC}"/>
               </a:ext>
             </a:extLst>
           </p:cNvPr>
@@ -4831,41 +4831,12 @@
         </p:nvGrpSpPr>
         <p:grpSpPr>
           <a:xfrm>
-            <a:off x="1356482" y="2011680"/>
-            <a:ext cx="3248440" cy="2834640"/>
-            <a:chOff x="7590440" y="2094255"/>
-            <a:chExt cx="3248440" cy="2834640"/>
+            <a:off x="1509182" y="1978526"/>
+            <a:ext cx="3170011" cy="2900947"/>
+            <a:chOff x="1709207" y="2113965"/>
+            <a:chExt cx="3170011" cy="2900947"/>
           </a:xfrm>
         </p:grpSpPr>
-        <p:pic>
-          <p:nvPicPr>
-            <p:cNvPr id="2" name="그림 1">
-              <a:extLst>
-                <a:ext uri="{FF2B5EF4-FFF2-40B4-BE49-F238E27FC236}">
-                  <a16:creationId xmlns:a16="http://schemas.microsoft.com/office/drawing/2014/main" id="{F7D83B53-5518-4157-B1C6-5C67909A6A4D}"/>
-                </a:ext>
-              </a:extLst>
-            </p:cNvPr>
-            <p:cNvPicPr>
-              <a:picLocks noChangeAspect="1"/>
-            </p:cNvPicPr>
-            <p:nvPr/>
-          </p:nvPicPr>
-          <p:blipFill rotWithShape="1">
-            <a:blip r:embed="rId3"/>
-            <a:srcRect l="63455" t="27960" r="28431" b="57737"/>
-            <a:stretch/>
-          </p:blipFill>
-          <p:spPr>
-            <a:xfrm>
-              <a:off x="7980217" y="2094255"/>
-              <a:ext cx="2858663" cy="2834640"/>
-            </a:xfrm>
-            <a:prstGeom prst="rect">
-              <a:avLst/>
-            </a:prstGeom>
-          </p:spPr>
-        </p:pic>
         <p:pic>
           <p:nvPicPr>
             <p:cNvPr id="3" name="그림 2">
@@ -4887,8 +4858,37 @@
           </p:blipFill>
           <p:spPr>
             <a:xfrm>
-              <a:off x="7590440" y="2173501"/>
+              <a:off x="1709207" y="2113965"/>
               <a:ext cx="316581" cy="2630069"/>
+            </a:xfrm>
+            <a:prstGeom prst="rect">
+              <a:avLst/>
+            </a:prstGeom>
+          </p:spPr>
+        </p:pic>
+        <p:pic>
+          <p:nvPicPr>
+            <p:cNvPr id="6" name="그림 5">
+              <a:extLst>
+                <a:ext uri="{FF2B5EF4-FFF2-40B4-BE49-F238E27FC236}">
+                  <a16:creationId xmlns:a16="http://schemas.microsoft.com/office/drawing/2014/main" id="{395C83D6-F839-4E6E-8B55-A6503B4D7B05}"/>
+                </a:ext>
+              </a:extLst>
+            </p:cNvPr>
+            <p:cNvPicPr>
+              <a:picLocks noChangeAspect="1"/>
+            </p:cNvPicPr>
+            <p:nvPr/>
+          </p:nvPicPr>
+          <p:blipFill rotWithShape="1">
+            <a:blip r:embed="rId4"/>
+            <a:srcRect l="65938" t="30000" r="25567" b="56875"/>
+            <a:stretch/>
+          </p:blipFill>
+          <p:spPr>
+            <a:xfrm>
+              <a:off x="2039779" y="2459418"/>
+              <a:ext cx="2839439" cy="2555494"/>
             </a:xfrm>
             <a:prstGeom prst="rect">
               <a:avLst/>
